--- a/PHP.pptx
+++ b/PHP.pptx
@@ -5,7 +5,7 @@
     <p:sldMasterId id="2147483648" r:id="rId1"/>
   </p:sldMasterIdLst>
   <p:notesMasterIdLst>
-    <p:notesMasterId r:id="rId23"/>
+    <p:notesMasterId r:id="rId24"/>
   </p:notesMasterIdLst>
   <p:sldIdLst>
     <p:sldId id="256" r:id="rId2"/>
@@ -29,6 +29,7 @@
     <p:sldId id="274" r:id="rId20"/>
     <p:sldId id="276" r:id="rId21"/>
     <p:sldId id="275" r:id="rId22"/>
+    <p:sldId id="277" r:id="rId23"/>
   </p:sldIdLst>
   <p:sldSz cx="12192000" cy="6858000"/>
   <p:notesSz cx="6858000" cy="9144000"/>
@@ -9998,7 +9999,7 @@
         <a:lstStyle/>
         <a:p>
           <a:r>
-            <a:rPr lang="en-US"/>
+            <a:rPr lang="en-US" dirty="0"/>
             <a:t>A session is a way to store information (in variables) to be used across multiple pages.</a:t>
           </a:r>
         </a:p>
@@ -13330,7 +13331,7 @@
             <a:buNone/>
           </a:pPr>
           <a:r>
-            <a:rPr lang="en-US" sz="4100" kern="1200"/>
+            <a:rPr lang="en-US" sz="4100" kern="1200" dirty="0"/>
             <a:t>A session is a way to store information (in variables) to be used across multiple pages.</a:t>
           </a:r>
         </a:p>
@@ -30470,7 +30471,7 @@
           <a:p>
             <a:fld id="{C9E47760-AFC4-4FEF-80A9-D3C9A603FDD4}" type="datetimeFigureOut">
               <a:rPr lang="en-US" smtClean="0"/>
-              <a:t>06-Dec-25</a:t>
+              <a:t>17-Jan-26</a:t>
             </a:fld>
             <a:endParaRPr lang="en-US"/>
           </a:p>
@@ -30884,7 +30885,7 @@
           <a:p>
             <a:fld id="{28FA24BE-79CB-4FEF-AB40-F46CD62FD034}" type="datetime1">
               <a:rPr lang="en-US" smtClean="0"/>
-              <a:t>06-Dec-25</a:t>
+              <a:t>17-Jan-26</a:t>
             </a:fld>
             <a:endParaRPr lang="en-US"/>
           </a:p>
@@ -31085,7 +31086,7 @@
           <a:p>
             <a:fld id="{807F2D46-FA0C-4127-A7A8-01A33F338711}" type="datetime1">
               <a:rPr lang="en-US" smtClean="0"/>
-              <a:t>06-Dec-25</a:t>
+              <a:t>17-Jan-26</a:t>
             </a:fld>
             <a:endParaRPr lang="en-US"/>
           </a:p>
@@ -31296,7 +31297,7 @@
           <a:p>
             <a:fld id="{598436EB-22EB-45E4-8691-B2B7F7BFBE80}" type="datetime1">
               <a:rPr lang="en-US" smtClean="0"/>
-              <a:t>06-Dec-25</a:t>
+              <a:t>17-Jan-26</a:t>
             </a:fld>
             <a:endParaRPr lang="en-US"/>
           </a:p>
@@ -31497,7 +31498,7 @@
           <a:p>
             <a:fld id="{5F69BD65-CCE2-425E-A688-CEFC8C1CE514}" type="datetime1">
               <a:rPr lang="en-US" smtClean="0"/>
-              <a:t>06-Dec-25</a:t>
+              <a:t>17-Jan-26</a:t>
             </a:fld>
             <a:endParaRPr lang="en-US"/>
           </a:p>
@@ -31788,7 +31789,7 @@
           <a:p>
             <a:fld id="{412D7081-9E39-47D1-B744-964933787DCC}" type="datetime1">
               <a:rPr lang="en-US" smtClean="0"/>
-              <a:t>06-Dec-25</a:t>
+              <a:t>17-Jan-26</a:t>
             </a:fld>
             <a:endParaRPr lang="en-US"/>
           </a:p>
@@ -32056,7 +32057,7 @@
           <a:p>
             <a:fld id="{715B4996-D5FB-4FE4-8507-EF51A9A0AB5D}" type="datetime1">
               <a:rPr lang="en-US" smtClean="0"/>
-              <a:t>06-Dec-25</a:t>
+              <a:t>17-Jan-26</a:t>
             </a:fld>
             <a:endParaRPr lang="en-US"/>
           </a:p>
@@ -32471,7 +32472,7 @@
           <a:p>
             <a:fld id="{58B01BEA-3132-4BB6-ACDC-25909DC58F16}" type="datetime1">
               <a:rPr lang="en-US" smtClean="0"/>
-              <a:t>06-Dec-25</a:t>
+              <a:t>17-Jan-26</a:t>
             </a:fld>
             <a:endParaRPr lang="en-US"/>
           </a:p>
@@ -32615,7 +32616,7 @@
           <a:p>
             <a:fld id="{4D7B9F36-474B-416A-85E1-BE3D78AF42C5}" type="datetime1">
               <a:rPr lang="en-US" smtClean="0"/>
-              <a:t>06-Dec-25</a:t>
+              <a:t>17-Jan-26</a:t>
             </a:fld>
             <a:endParaRPr lang="en-US"/>
           </a:p>
@@ -32731,7 +32732,7 @@
           <a:p>
             <a:fld id="{E7E911BD-0029-4A42-B1E6-B9B1B956E14D}" type="datetime1">
               <a:rPr lang="en-US" smtClean="0"/>
-              <a:t>06-Dec-25</a:t>
+              <a:t>17-Jan-26</a:t>
             </a:fld>
             <a:endParaRPr lang="en-US"/>
           </a:p>
@@ -33045,7 +33046,7 @@
           <a:p>
             <a:fld id="{1770D76B-DB58-4C2D-A64A-0A9148658427}" type="datetime1">
               <a:rPr lang="en-US" smtClean="0"/>
-              <a:t>06-Dec-25</a:t>
+              <a:t>17-Jan-26</a:t>
             </a:fld>
             <a:endParaRPr lang="en-US"/>
           </a:p>
@@ -33336,7 +33337,7 @@
           <a:p>
             <a:fld id="{76B2633F-66A1-40AA-B031-AFF4A993EDEC}" type="datetime1">
               <a:rPr lang="en-US" smtClean="0"/>
-              <a:t>06-Dec-25</a:t>
+              <a:t>17-Jan-26</a:t>
             </a:fld>
             <a:endParaRPr lang="en-US"/>
           </a:p>
@@ -33580,7 +33581,7 @@
           <a:p>
             <a:fld id="{176AEB33-8507-4E16-8322-DE465C5E44A2}" type="datetime1">
               <a:rPr lang="en-US" smtClean="0"/>
-              <a:t>06-Dec-25</a:t>
+              <a:t>17-Jan-26</a:t>
             </a:fld>
             <a:endParaRPr lang="en-US"/>
           </a:p>
@@ -37704,6 +37705,236 @@
 </p:sld>
 </file>
 
+<file path=ppt/slides/slide22.xml><?xml version="1.0" encoding="utf-8"?>
+<p:sld xmlns:a="http://schemas.openxmlformats.org/drawingml/2006/main" xmlns:r="http://schemas.openxmlformats.org/officeDocument/2006/relationships" xmlns:p="http://schemas.openxmlformats.org/presentationml/2006/main">
+  <p:cSld>
+    <p:spTree>
+      <p:nvGrpSpPr>
+        <p:cNvPr id="1" name="">
+          <a:extLst>
+            <a:ext uri="{FF2B5EF4-FFF2-40B4-BE49-F238E27FC236}">
+              <a16:creationId xmlns:a16="http://schemas.microsoft.com/office/drawing/2014/main" id="{EA272988-AD92-5611-2CF9-6E7B6E470724}"/>
+            </a:ext>
+          </a:extLst>
+        </p:cNvPr>
+        <p:cNvGrpSpPr/>
+        <p:nvPr/>
+      </p:nvGrpSpPr>
+      <p:grpSpPr>
+        <a:xfrm>
+          <a:off x="0" y="0"/>
+          <a:ext cx="0" cy="0"/>
+          <a:chOff x="0" y="0"/>
+          <a:chExt cx="0" cy="0"/>
+        </a:xfrm>
+      </p:grpSpPr>
+      <p:sp>
+        <p:nvSpPr>
+          <p:cNvPr id="2" name="Title 1">
+            <a:extLst>
+              <a:ext uri="{FF2B5EF4-FFF2-40B4-BE49-F238E27FC236}">
+                <a16:creationId xmlns:a16="http://schemas.microsoft.com/office/drawing/2014/main" id="{628ABCDF-1337-3EA4-6A02-F876BEBD8D47}"/>
+              </a:ext>
+            </a:extLst>
+          </p:cNvPr>
+          <p:cNvSpPr>
+            <a:spLocks noGrp="1"/>
+          </p:cNvSpPr>
+          <p:nvPr>
+            <p:ph type="title"/>
+          </p:nvPr>
+        </p:nvSpPr>
+        <p:spPr/>
+        <p:txBody>
+          <a:bodyPr/>
+          <a:lstStyle/>
+          <a:p>
+            <a:r>
+              <a:rPr lang="en-US" dirty="0"/>
+              <a:t>PHP-$_SESSION</a:t>
+            </a:r>
+          </a:p>
+        </p:txBody>
+      </p:sp>
+      <p:sp>
+        <p:nvSpPr>
+          <p:cNvPr id="4" name="Footer Placeholder 3">
+            <a:extLst>
+              <a:ext uri="{FF2B5EF4-FFF2-40B4-BE49-F238E27FC236}">
+                <a16:creationId xmlns:a16="http://schemas.microsoft.com/office/drawing/2014/main" id="{E745D957-68D5-5FFE-A3D9-8CFAA8702CF8}"/>
+              </a:ext>
+            </a:extLst>
+          </p:cNvPr>
+          <p:cNvSpPr>
+            <a:spLocks noGrp="1"/>
+          </p:cNvSpPr>
+          <p:nvPr>
+            <p:ph type="ftr" sz="quarter" idx="11"/>
+          </p:nvPr>
+        </p:nvSpPr>
+        <p:spPr/>
+        <p:txBody>
+          <a:bodyPr/>
+          <a:lstStyle/>
+          <a:p>
+            <a:r>
+              <a:rPr lang="en-US"/>
+              <a:t>Note: This slides has made according to w3school</a:t>
+            </a:r>
+          </a:p>
+        </p:txBody>
+      </p:sp>
+      <p:sp>
+        <p:nvSpPr>
+          <p:cNvPr id="5" name="Slide Number Placeholder 4">
+            <a:extLst>
+              <a:ext uri="{FF2B5EF4-FFF2-40B4-BE49-F238E27FC236}">
+                <a16:creationId xmlns:a16="http://schemas.microsoft.com/office/drawing/2014/main" id="{8193C474-696B-BF0A-5B17-8C1485BECED7}"/>
+              </a:ext>
+            </a:extLst>
+          </p:cNvPr>
+          <p:cNvSpPr>
+            <a:spLocks noGrp="1"/>
+          </p:cNvSpPr>
+          <p:nvPr>
+            <p:ph type="sldNum" sz="quarter" idx="12"/>
+          </p:nvPr>
+        </p:nvSpPr>
+        <p:spPr/>
+        <p:txBody>
+          <a:bodyPr/>
+          <a:lstStyle/>
+          <a:p>
+            <a:fld id="{0840A397-22F7-44C1-BD16-3031F48586EF}" type="slidenum">
+              <a:rPr lang="en-US" smtClean="0"/>
+              <a:pPr/>
+              <a:t>22</a:t>
+            </a:fld>
+            <a:endParaRPr lang="en-US" dirty="0">
+              <a:solidFill>
+                <a:schemeClr val="tx1"/>
+              </a:solidFill>
+            </a:endParaRPr>
+          </a:p>
+        </p:txBody>
+      </p:sp>
+      <p:cxnSp>
+        <p:nvCxnSpPr>
+          <p:cNvPr id="6" name="Straight Connector 5">
+            <a:extLst>
+              <a:ext uri="{FF2B5EF4-FFF2-40B4-BE49-F238E27FC236}">
+                <a16:creationId xmlns:a16="http://schemas.microsoft.com/office/drawing/2014/main" id="{1FAD28CC-B0C4-989F-6B5A-3E561DDDBD49}"/>
+              </a:ext>
+            </a:extLst>
+          </p:cNvPr>
+          <p:cNvCxnSpPr/>
+          <p:nvPr/>
+        </p:nvCxnSpPr>
+        <p:spPr>
+          <a:xfrm>
+            <a:off x="838200" y="1696720"/>
+            <a:ext cx="10515600" cy="0"/>
+          </a:xfrm>
+          <a:prstGeom prst="line">
+            <a:avLst/>
+          </a:prstGeom>
+          <a:ln w="57150"/>
+        </p:spPr>
+        <p:style>
+          <a:lnRef idx="2">
+            <a:schemeClr val="accent1"/>
+          </a:lnRef>
+          <a:fillRef idx="0">
+            <a:schemeClr val="accent1"/>
+          </a:fillRef>
+          <a:effectRef idx="1">
+            <a:schemeClr val="accent1"/>
+          </a:effectRef>
+          <a:fontRef idx="minor">
+            <a:schemeClr val="tx1"/>
+          </a:fontRef>
+        </p:style>
+      </p:cxnSp>
+      <p:sp>
+        <p:nvSpPr>
+          <p:cNvPr id="7" name="Content Placeholder 6">
+            <a:extLst>
+              <a:ext uri="{FF2B5EF4-FFF2-40B4-BE49-F238E27FC236}">
+                <a16:creationId xmlns:a16="http://schemas.microsoft.com/office/drawing/2014/main" id="{27A014A1-76DB-9A81-0D6E-23E8CCA4EFC2}"/>
+              </a:ext>
+            </a:extLst>
+          </p:cNvPr>
+          <p:cNvSpPr>
+            <a:spLocks noGrp="1"/>
+          </p:cNvSpPr>
+          <p:nvPr>
+            <p:ph idx="1"/>
+          </p:nvPr>
+        </p:nvSpPr>
+        <p:spPr/>
+        <p:txBody>
+          <a:bodyPr/>
+          <a:lstStyle/>
+          <a:p>
+            <a:pPr marL="0" indent="0">
+              <a:buNone/>
+            </a:pPr>
+            <a:r>
+              <a:rPr lang="en-US" dirty="0"/>
+              <a:t>Session </a:t>
+            </a:r>
+            <a:r>
+              <a:rPr lang="as-IN" b="1" dirty="0"/>
+              <a:t>নিজে নিজে </a:t>
+            </a:r>
+            <a:r>
+              <a:rPr lang="en-US" b="1" dirty="0"/>
+              <a:t>expire </a:t>
+            </a:r>
+            <a:r>
+              <a:rPr lang="as-IN" b="1" dirty="0"/>
+              <a:t>হয় না</a:t>
+            </a:r>
+            <a:br>
+              <a:rPr lang="as-IN" dirty="0"/>
+            </a:br>
+            <a:r>
+              <a:rPr lang="en-US" dirty="0"/>
+              <a:t>Expire </a:t>
+            </a:r>
+            <a:r>
+              <a:rPr lang="as-IN" dirty="0"/>
+              <a:t>হয় </a:t>
+            </a:r>
+            <a:r>
+              <a:rPr lang="as-IN" b="1" dirty="0"/>
+              <a:t>পরের </a:t>
+            </a:r>
+            <a:r>
+              <a:rPr lang="en-US" b="1" dirty="0"/>
+              <a:t>request </a:t>
+            </a:r>
+            <a:r>
+              <a:rPr lang="as-IN" b="1" dirty="0"/>
+              <a:t>এ</a:t>
+            </a:r>
+            <a:endParaRPr lang="en-US" dirty="0"/>
+          </a:p>
+        </p:txBody>
+      </p:sp>
+    </p:spTree>
+    <p:extLst>
+      <p:ext uri="{BB962C8B-B14F-4D97-AF65-F5344CB8AC3E}">
+        <p14:creationId xmlns:p14="http://schemas.microsoft.com/office/powerpoint/2010/main" val="2314792962"/>
+      </p:ext>
+    </p:extLst>
+  </p:cSld>
+  <p:clrMapOvr>
+    <a:masterClrMapping/>
+  </p:clrMapOvr>
+</p:sld>
+</file>
+
 <file path=ppt/slides/slide3.xml><?xml version="1.0" encoding="utf-8"?>
 <p:sld xmlns:a="http://schemas.openxmlformats.org/drawingml/2006/main" xmlns:r="http://schemas.openxmlformats.org/officeDocument/2006/relationships" xmlns:p="http://schemas.openxmlformats.org/presentationml/2006/main">
   <p:cSld>

--- a/PHP.pptx
+++ b/PHP.pptx
@@ -9807,7 +9807,7 @@
 <dgm:dataModel xmlns:dgm="http://schemas.openxmlformats.org/drawingml/2006/diagram" xmlns:a="http://schemas.openxmlformats.org/drawingml/2006/main">
   <dgm:ptLst>
     <dgm:pt modelId="{E061DAB4-5ADC-4CC0-BAF7-9CF8B3FB45FD}" type="doc">
-      <dgm:prSet loTypeId="urn:microsoft.com/office/officeart/2005/8/layout/vList2" loCatId="list" qsTypeId="urn:microsoft.com/office/officeart/2005/8/quickstyle/simple1" qsCatId="simple" csTypeId="urn:microsoft.com/office/officeart/2005/8/colors/accent1_2" csCatId="accent1"/>
+      <dgm:prSet loTypeId="urn:microsoft.com/office/officeart/2005/8/layout/vList2" loCatId="list" qsTypeId="urn:microsoft.com/office/officeart/2005/8/quickstyle/simple1" qsCatId="simple" csTypeId="urn:microsoft.com/office/officeart/2005/8/colors/accent1_2" csCatId="accent1" phldr="1"/>
       <dgm:spPr/>
       <dgm:t>
         <a:bodyPr/>
@@ -9819,13 +9819,19 @@
     </dgm:pt>
     <dgm:pt modelId="{6C22032A-FCF2-46AC-BAC2-9FE54A02CC69}">
       <dgm:prSet/>
-      <dgm:spPr/>
+      <dgm:spPr>
+        <a:noFill/>
+      </dgm:spPr>
       <dgm:t>
         <a:bodyPr/>
         <a:lstStyle/>
         <a:p>
           <a:r>
-            <a:rPr lang="en-US" dirty="0"/>
+            <a:rPr lang="en-US" dirty="0">
+              <a:solidFill>
+                <a:schemeClr val="tx1"/>
+              </a:solidFill>
+            </a:rPr>
             <a:t>What is a Cookie?</a:t>
           </a:r>
         </a:p>
@@ -9855,13 +9861,19 @@
     </dgm:pt>
     <dgm:pt modelId="{39276586-F765-4F5C-ADCF-5D410A5A96D3}">
       <dgm:prSet/>
-      <dgm:spPr/>
+      <dgm:spPr>
+        <a:noFill/>
+      </dgm:spPr>
       <dgm:t>
         <a:bodyPr/>
         <a:lstStyle/>
         <a:p>
           <a:r>
-            <a:rPr lang="en-US" dirty="0"/>
+            <a:rPr lang="en-US" dirty="0">
+              <a:solidFill>
+                <a:schemeClr val="tx1"/>
+              </a:solidFill>
+            </a:rPr>
             <a:t>A cookie is often used to identify a user. A cookie is a small file that the server embeds on the user's computer. Each time the same computer requests a page with a browser, it will send the cookie too.</a:t>
           </a:r>
         </a:p>
@@ -13030,14 +13042,7 @@
         <a:prstGeom prst="roundRect">
           <a:avLst/>
         </a:prstGeom>
-        <a:solidFill>
-          <a:schemeClr val="accent1">
-            <a:hueOff val="0"/>
-            <a:satOff val="0"/>
-            <a:lumOff val="0"/>
-            <a:alphaOff val="0"/>
-          </a:schemeClr>
-        </a:solidFill>
+        <a:noFill/>
         <a:ln w="19050" cap="flat" cmpd="sng" algn="ctr">
           <a:solidFill>
             <a:schemeClr val="lt1">
@@ -13085,7 +13090,11 @@
             <a:buNone/>
           </a:pPr>
           <a:r>
-            <a:rPr lang="en-US" sz="3000" kern="1200" dirty="0"/>
+            <a:rPr lang="en-US" sz="3000" kern="1200" dirty="0">
+              <a:solidFill>
+                <a:schemeClr val="tx1"/>
+              </a:solidFill>
+            </a:rPr>
             <a:t>What is a Cookie?</a:t>
           </a:r>
         </a:p>
@@ -13108,14 +13117,7 @@
         <a:prstGeom prst="roundRect">
           <a:avLst/>
         </a:prstGeom>
-        <a:solidFill>
-          <a:schemeClr val="accent1">
-            <a:hueOff val="0"/>
-            <a:satOff val="0"/>
-            <a:lumOff val="0"/>
-            <a:alphaOff val="0"/>
-          </a:schemeClr>
-        </a:solidFill>
+        <a:noFill/>
         <a:ln w="19050" cap="flat" cmpd="sng" algn="ctr">
           <a:solidFill>
             <a:schemeClr val="lt1">
@@ -13163,7 +13165,11 @@
             <a:buNone/>
           </a:pPr>
           <a:r>
-            <a:rPr lang="en-US" sz="3000" kern="1200" dirty="0"/>
+            <a:rPr lang="en-US" sz="3000" kern="1200" dirty="0">
+              <a:solidFill>
+                <a:schemeClr val="tx1"/>
+              </a:solidFill>
+            </a:rPr>
             <a:t>A cookie is often used to identify a user. A cookie is a small file that the server embeds on the user's computer. Each time the same computer requests a page with a browser, it will send the cookie too.</a:t>
           </a:r>
         </a:p>
@@ -30471,7 +30477,7 @@
           <a:p>
             <a:fld id="{C9E47760-AFC4-4FEF-80A9-D3C9A603FDD4}" type="datetimeFigureOut">
               <a:rPr lang="en-US" smtClean="0"/>
-              <a:t>17-Jan-26</a:t>
+              <a:t>24-Jan-26</a:t>
             </a:fld>
             <a:endParaRPr lang="en-US"/>
           </a:p>
@@ -30885,7 +30891,7 @@
           <a:p>
             <a:fld id="{28FA24BE-79CB-4FEF-AB40-F46CD62FD034}" type="datetime1">
               <a:rPr lang="en-US" smtClean="0"/>
-              <a:t>17-Jan-26</a:t>
+              <a:t>24-Jan-26</a:t>
             </a:fld>
             <a:endParaRPr lang="en-US"/>
           </a:p>
@@ -31086,7 +31092,7 @@
           <a:p>
             <a:fld id="{807F2D46-FA0C-4127-A7A8-01A33F338711}" type="datetime1">
               <a:rPr lang="en-US" smtClean="0"/>
-              <a:t>17-Jan-26</a:t>
+              <a:t>24-Jan-26</a:t>
             </a:fld>
             <a:endParaRPr lang="en-US"/>
           </a:p>
@@ -31297,7 +31303,7 @@
           <a:p>
             <a:fld id="{598436EB-22EB-45E4-8691-B2B7F7BFBE80}" type="datetime1">
               <a:rPr lang="en-US" smtClean="0"/>
-              <a:t>17-Jan-26</a:t>
+              <a:t>24-Jan-26</a:t>
             </a:fld>
             <a:endParaRPr lang="en-US"/>
           </a:p>
@@ -31498,7 +31504,7 @@
           <a:p>
             <a:fld id="{5F69BD65-CCE2-425E-A688-CEFC8C1CE514}" type="datetime1">
               <a:rPr lang="en-US" smtClean="0"/>
-              <a:t>17-Jan-26</a:t>
+              <a:t>24-Jan-26</a:t>
             </a:fld>
             <a:endParaRPr lang="en-US"/>
           </a:p>
@@ -31789,7 +31795,7 @@
           <a:p>
             <a:fld id="{412D7081-9E39-47D1-B744-964933787DCC}" type="datetime1">
               <a:rPr lang="en-US" smtClean="0"/>
-              <a:t>17-Jan-26</a:t>
+              <a:t>24-Jan-26</a:t>
             </a:fld>
             <a:endParaRPr lang="en-US"/>
           </a:p>
@@ -32057,7 +32063,7 @@
           <a:p>
             <a:fld id="{715B4996-D5FB-4FE4-8507-EF51A9A0AB5D}" type="datetime1">
               <a:rPr lang="en-US" smtClean="0"/>
-              <a:t>17-Jan-26</a:t>
+              <a:t>24-Jan-26</a:t>
             </a:fld>
             <a:endParaRPr lang="en-US"/>
           </a:p>
@@ -32472,7 +32478,7 @@
           <a:p>
             <a:fld id="{58B01BEA-3132-4BB6-ACDC-25909DC58F16}" type="datetime1">
               <a:rPr lang="en-US" smtClean="0"/>
-              <a:t>17-Jan-26</a:t>
+              <a:t>24-Jan-26</a:t>
             </a:fld>
             <a:endParaRPr lang="en-US"/>
           </a:p>
@@ -32616,7 +32622,7 @@
           <a:p>
             <a:fld id="{4D7B9F36-474B-416A-85E1-BE3D78AF42C5}" type="datetime1">
               <a:rPr lang="en-US" smtClean="0"/>
-              <a:t>17-Jan-26</a:t>
+              <a:t>24-Jan-26</a:t>
             </a:fld>
             <a:endParaRPr lang="en-US"/>
           </a:p>
@@ -32732,7 +32738,7 @@
           <a:p>
             <a:fld id="{E7E911BD-0029-4A42-B1E6-B9B1B956E14D}" type="datetime1">
               <a:rPr lang="en-US" smtClean="0"/>
-              <a:t>17-Jan-26</a:t>
+              <a:t>24-Jan-26</a:t>
             </a:fld>
             <a:endParaRPr lang="en-US"/>
           </a:p>
@@ -33046,7 +33052,7 @@
           <a:p>
             <a:fld id="{1770D76B-DB58-4C2D-A64A-0A9148658427}" type="datetime1">
               <a:rPr lang="en-US" smtClean="0"/>
-              <a:t>17-Jan-26</a:t>
+              <a:t>24-Jan-26</a:t>
             </a:fld>
             <a:endParaRPr lang="en-US"/>
           </a:p>
@@ -33337,7 +33343,7 @@
           <a:p>
             <a:fld id="{76B2633F-66A1-40AA-B031-AFF4A993EDEC}" type="datetime1">
               <a:rPr lang="en-US" smtClean="0"/>
-              <a:t>17-Jan-26</a:t>
+              <a:t>24-Jan-26</a:t>
             </a:fld>
             <a:endParaRPr lang="en-US"/>
           </a:p>
@@ -33581,7 +33587,7 @@
           <a:p>
             <a:fld id="{176AEB33-8507-4E16-8322-DE465C5E44A2}" type="datetime1">
               <a:rPr lang="en-US" smtClean="0"/>
-              <a:t>17-Jan-26</a:t>
+              <a:t>24-Jan-26</a:t>
             </a:fld>
             <a:endParaRPr lang="en-US"/>
           </a:p>
@@ -36732,6 +36738,11 @@
           </p:cNvGraphicFramePr>
           <p:nvPr>
             <p:ph idx="1"/>
+            <p:extLst>
+              <p:ext uri="{D42A27DB-BD31-4B8C-83A1-F6EECF244321}">
+                <p14:modId xmlns:p14="http://schemas.microsoft.com/office/powerpoint/2010/main" val="3879287417"/>
+              </p:ext>
+            </p:extLst>
           </p:nvPr>
         </p:nvGraphicFramePr>
         <p:xfrm>
@@ -37879,45 +37890,6 @@
             <a:pPr marL="0" indent="0">
               <a:buNone/>
             </a:pPr>
-            <a:r>
-              <a:rPr lang="en-US" dirty="0"/>
-              <a:t>Session </a:t>
-            </a:r>
-            <a:r>
-              <a:rPr lang="as-IN" b="1" dirty="0"/>
-              <a:t>নিজে নিজে </a:t>
-            </a:r>
-            <a:r>
-              <a:rPr lang="en-US" b="1" dirty="0"/>
-              <a:t>expire </a:t>
-            </a:r>
-            <a:r>
-              <a:rPr lang="as-IN" b="1" dirty="0"/>
-              <a:t>হয় না</a:t>
-            </a:r>
-            <a:br>
-              <a:rPr lang="as-IN" dirty="0"/>
-            </a:br>
-            <a:r>
-              <a:rPr lang="en-US" dirty="0"/>
-              <a:t>Expire </a:t>
-            </a:r>
-            <a:r>
-              <a:rPr lang="as-IN" dirty="0"/>
-              <a:t>হয় </a:t>
-            </a:r>
-            <a:r>
-              <a:rPr lang="as-IN" b="1" dirty="0"/>
-              <a:t>পরের </a:t>
-            </a:r>
-            <a:r>
-              <a:rPr lang="en-US" b="1" dirty="0"/>
-              <a:t>request </a:t>
-            </a:r>
-            <a:r>
-              <a:rPr lang="as-IN" b="1" dirty="0"/>
-              <a:t>এ</a:t>
-            </a:r>
             <a:endParaRPr lang="en-US" dirty="0"/>
           </a:p>
         </p:txBody>
